--- a/serversideframeworks.pptx
+++ b/serversideframeworks.pptx
@@ -124,7 +124,7 @@
   </p:defaultTextStyle>
   <p:extLst>
     <p:ext uri="{EFAFB233-063F-42B5-8137-9DF3F51BA10A}">
-      <p15:sldGuideLst xmlns:p15="http://schemas.microsoft.com/office/powerpoint/2012/main">
+      <p15:sldGuideLst xmlns:p15="http://schemas.microsoft.com/office/powerpoint/2012/main" xmlns="">
         <p15:guide id="1" orient="horz" pos="2160">
           <p15:clr>
             <a:srgbClr val="A4A3A4"/>
@@ -410,11 +410,11 @@
         </c:dLbls>
         <c:gapWidth val="75"/>
         <c:overlap val="-25"/>
-        <c:axId val="130480904"/>
-        <c:axId val="172197736"/>
+        <c:axId val="177275648"/>
+        <c:axId val="177277184"/>
       </c:barChart>
       <c:catAx>
-        <c:axId val="130480904"/>
+        <c:axId val="177275648"/>
         <c:scaling>
           <c:orientation val="minMax"/>
         </c:scaling>
@@ -424,7 +424,7 @@
         <c:majorTickMark val="none"/>
         <c:minorTickMark val="none"/>
         <c:tickLblPos val="nextTo"/>
-        <c:crossAx val="172197736"/>
+        <c:crossAx val="177277184"/>
         <c:crosses val="autoZero"/>
         <c:auto val="1"/>
         <c:lblAlgn val="ctr"/>
@@ -432,7 +432,7 @@
         <c:noMultiLvlLbl val="0"/>
       </c:catAx>
       <c:valAx>
-        <c:axId val="172197736"/>
+        <c:axId val="177277184"/>
         <c:scaling>
           <c:orientation val="minMax"/>
           <c:max val="200000"/>
@@ -449,7 +449,7 @@
             <a:noFill/>
           </a:ln>
         </c:spPr>
-        <c:crossAx val="130480904"/>
+        <c:crossAx val="177275648"/>
         <c:crosses val="autoZero"/>
         <c:crossBetween val="between"/>
       </c:valAx>
@@ -691,11 +691,11 @@
         </c:dLbls>
         <c:gapWidth val="75"/>
         <c:overlap val="-25"/>
-        <c:axId val="172567152"/>
-        <c:axId val="172567536"/>
+        <c:axId val="177307648"/>
+        <c:axId val="177311104"/>
       </c:barChart>
       <c:catAx>
-        <c:axId val="172567152"/>
+        <c:axId val="177307648"/>
         <c:scaling>
           <c:orientation val="minMax"/>
         </c:scaling>
@@ -705,7 +705,7 @@
         <c:majorTickMark val="none"/>
         <c:minorTickMark val="none"/>
         <c:tickLblPos val="nextTo"/>
-        <c:crossAx val="172567536"/>
+        <c:crossAx val="177311104"/>
         <c:crosses val="autoZero"/>
         <c:auto val="1"/>
         <c:lblAlgn val="ctr"/>
@@ -713,7 +713,7 @@
         <c:noMultiLvlLbl val="0"/>
       </c:catAx>
       <c:valAx>
-        <c:axId val="172567536"/>
+        <c:axId val="177311104"/>
         <c:scaling>
           <c:orientation val="minMax"/>
         </c:scaling>
@@ -729,7 +729,7 @@
             <a:noFill/>
           </a:ln>
         </c:spPr>
-        <c:crossAx val="172567152"/>
+        <c:crossAx val="177307648"/>
         <c:crosses val="autoZero"/>
         <c:crossBetween val="between"/>
       </c:valAx>
@@ -4348,7 +4348,12 @@
             <p:ph type="ctrTitle"/>
           </p:nvPr>
         </p:nvSpPr>
-        <p:spPr/>
+        <p:spPr>
+          <a:xfrm>
+            <a:off x="1524000" y="325194"/>
+            <a:ext cx="9144000" cy="2387600"/>
+          </a:xfrm>
+        </p:spPr>
         <p:txBody>
           <a:bodyPr/>
           <a:lstStyle/>
@@ -4371,19 +4376,31 @@
             <p:ph type="subTitle" idx="1"/>
           </p:nvPr>
         </p:nvSpPr>
-        <p:spPr/>
+        <p:spPr>
+          <a:xfrm>
+            <a:off x="1524000" y="3602037"/>
+            <a:ext cx="9144000" cy="2247777"/>
+          </a:xfrm>
+        </p:spPr>
         <p:txBody>
           <a:bodyPr>
-            <a:normAutofit fontScale="77500" lnSpcReduction="20000"/>
+            <a:normAutofit fontScale="92500" lnSpcReduction="10000"/>
           </a:bodyPr>
           <a:lstStyle/>
           <a:p>
+            <a:pPr algn="r">
+              <a:lnSpc>
+                <a:spcPct val="150000"/>
+              </a:lnSpc>
+            </a:pPr>
             <a:r>
               <a:rPr lang="en-US" dirty="0" smtClean="0"/>
               <a:t>By </a:t>
             </a:r>
-          </a:p>
-          <a:p>
+            <a:endParaRPr lang="en-US" dirty="0" smtClean="0"/>
+          </a:p>
+          <a:p>
+            <a:pPr algn="r"/>
             <a:r>
               <a:rPr lang="en-US" dirty="0" smtClean="0"/>
               <a:t>Rahul Parekh(</a:t>
@@ -4399,6 +4416,7 @@
             <a:endParaRPr lang="en-US" dirty="0"/>
           </a:p>
           <a:p>
+            <a:pPr algn="r"/>
             <a:r>
               <a:rPr lang="en-US" dirty="0" smtClean="0"/>
               <a:t> Nikhil Aravind(</a:t>
@@ -4414,6 +4432,7 @@
             <a:endParaRPr lang="en-US" dirty="0"/>
           </a:p>
           <a:p>
+            <a:pPr algn="r"/>
             <a:r>
               <a:rPr lang="en-US" dirty="0" smtClean="0"/>
               <a:t>            Manasa Mannava(</a:t>
@@ -4428,6 +4447,7 @@
             </a:r>
           </a:p>
           <a:p>
+            <a:pPr algn="r"/>
             <a:r>
               <a:rPr lang="en-US" dirty="0" smtClean="0"/>
               <a:t>                Aaditya Maheshwari(amahesh3)</a:t>
@@ -4448,6 +4468,13 @@
   <p:clrMapOvr>
     <a:masterClrMapping/>
   </p:clrMapOvr>
+  <p:timing>
+    <p:tnLst>
+      <p:par>
+        <p:cTn id="1" dur="indefinite" restart="never" nodeType="tmRoot"/>
+      </p:par>
+    </p:tnLst>
+  </p:timing>
 </p:sld>
 </file>
 
@@ -4470,25 +4497,6 @@
       </p:grpSpPr>
       <p:sp>
         <p:nvSpPr>
-          <p:cNvPr id="2" name="Title 1"/>
-          <p:cNvSpPr>
-            <a:spLocks noGrp="1"/>
-          </p:cNvSpPr>
-          <p:nvPr>
-            <p:ph type="title"/>
-          </p:nvPr>
-        </p:nvSpPr>
-        <p:spPr/>
-        <p:txBody>
-          <a:bodyPr/>
-          <a:lstStyle/>
-          <a:p>
-            <a:endParaRPr lang="en-US" dirty="0"/>
-          </a:p>
-        </p:txBody>
-      </p:sp>
-      <p:sp>
-        <p:nvSpPr>
           <p:cNvPr id="3" name="Content Placeholder 2"/>
           <p:cNvSpPr>
             <a:spLocks noGrp="1"/>
@@ -4499,7 +4507,7 @@
         </p:nvSpPr>
         <p:spPr>
           <a:xfrm>
-            <a:off x="838200" y="1027906"/>
+            <a:off x="838200" y="430029"/>
             <a:ext cx="10515600" cy="4351338"/>
           </a:xfrm>
         </p:spPr>
@@ -4513,21 +4521,28 @@
             </a:r>
           </a:p>
           <a:p>
+            <a:endParaRPr lang="en-US" b="1" dirty="0" smtClean="0"/>
+          </a:p>
+          <a:p>
+            <a:endParaRPr lang="en-US" b="1" dirty="0" smtClean="0"/>
+          </a:p>
+          <a:p>
             <a:endParaRPr lang="en-US" b="1" dirty="0"/>
           </a:p>
           <a:p>
             <a:endParaRPr lang="en-US" b="1" dirty="0" smtClean="0"/>
           </a:p>
           <a:p>
-            <a:endParaRPr lang="en-US" b="1" dirty="0"/>
-          </a:p>
-          <a:p>
             <a:endParaRPr lang="en-US" b="1" dirty="0" smtClean="0"/>
           </a:p>
           <a:p>
             <a:r>
               <a:rPr lang="en-US" b="1" dirty="0" smtClean="0"/>
-              <a:t>Plain Text</a:t>
+              <a:t>Plain </a:t>
+            </a:r>
+            <a:r>
+              <a:rPr lang="en-US" b="1" dirty="0" smtClean="0"/>
+              <a:t>Text</a:t>
             </a:r>
           </a:p>
           <a:p>
@@ -4559,13 +4574,13 @@
           <p:nvPr>
             <p:extLst>
               <p:ext uri="{D42A27DB-BD31-4B8C-83A1-F6EECF244321}">
-                <p14:modId xmlns:p14="http://schemas.microsoft.com/office/powerpoint/2010/main" val="1191270092"/>
+                <p14:modId xmlns:p14="http://schemas.microsoft.com/office/powerpoint/2010/main" val="2954947737"/>
               </p:ext>
             </p:extLst>
           </p:nvPr>
         </p:nvGraphicFramePr>
         <p:xfrm>
-          <a:off x="1173132" y="1638582"/>
+          <a:off x="1173132" y="1075875"/>
           <a:ext cx="7070535" cy="1842866"/>
         </p:xfrm>
         <a:graphic>
@@ -5028,13 +5043,13 @@
           <p:nvPr>
             <p:extLst>
               <p:ext uri="{D42A27DB-BD31-4B8C-83A1-F6EECF244321}">
-                <p14:modId xmlns:p14="http://schemas.microsoft.com/office/powerpoint/2010/main" val="157670285"/>
+                <p14:modId xmlns:p14="http://schemas.microsoft.com/office/powerpoint/2010/main" val="3438363071"/>
               </p:ext>
             </p:extLst>
           </p:nvPr>
         </p:nvGraphicFramePr>
         <p:xfrm>
-          <a:off x="1209822" y="4199156"/>
+          <a:off x="1151206" y="4128817"/>
           <a:ext cx="7104184" cy="1842869"/>
         </p:xfrm>
         <a:graphic>
@@ -5540,90 +5555,147 @@
         </p:spPr>
         <p:txBody>
           <a:bodyPr>
-            <a:normAutofit fontScale="92500" lnSpcReduction="20000"/>
+            <a:normAutofit fontScale="62500" lnSpcReduction="20000"/>
           </a:bodyPr>
           <a:lstStyle/>
           <a:p>
+            <a:pPr>
+              <a:lnSpc>
+                <a:spcPct val="120000"/>
+              </a:lnSpc>
+            </a:pPr>
             <a:r>
               <a:rPr lang="en-US" sz="3000" dirty="0" smtClean="0"/>
               <a:t>What is scalability?</a:t>
             </a:r>
           </a:p>
           <a:p>
+            <a:pPr>
+              <a:lnSpc>
+                <a:spcPct val="120000"/>
+              </a:lnSpc>
+            </a:pPr>
             <a:r>
               <a:rPr lang="en-US" sz="3000" dirty="0" smtClean="0"/>
               <a:t>How can frameworks be scalable?</a:t>
             </a:r>
           </a:p>
           <a:p>
+            <a:pPr>
+              <a:lnSpc>
+                <a:spcPct val="120000"/>
+              </a:lnSpc>
+            </a:pPr>
             <a:r>
               <a:rPr lang="en-US" sz="3000" dirty="0" smtClean="0"/>
               <a:t>Supporting frameworks</a:t>
             </a:r>
           </a:p>
           <a:p>
-            <a:pPr lvl="1"/>
+            <a:pPr lvl="1">
+              <a:lnSpc>
+                <a:spcPct val="120000"/>
+              </a:lnSpc>
+            </a:pPr>
             <a:r>
               <a:rPr lang="en-US" sz="3000" dirty="0" smtClean="0"/>
               <a:t>RESTful architecture</a:t>
             </a:r>
           </a:p>
           <a:p>
-            <a:pPr lvl="1"/>
+            <a:pPr lvl="1">
+              <a:lnSpc>
+                <a:spcPct val="120000"/>
+              </a:lnSpc>
+            </a:pPr>
             <a:r>
               <a:rPr lang="en-US" sz="3000" dirty="0" smtClean="0"/>
               <a:t>Caching</a:t>
             </a:r>
           </a:p>
           <a:p>
-            <a:pPr lvl="1"/>
+            <a:pPr lvl="1">
+              <a:lnSpc>
+                <a:spcPct val="120000"/>
+              </a:lnSpc>
+            </a:pPr>
             <a:r>
               <a:rPr lang="en-US" sz="3000" dirty="0" smtClean="0"/>
               <a:t>Data centric</a:t>
             </a:r>
           </a:p>
           <a:p>
-            <a:pPr lvl="1"/>
+            <a:pPr lvl="1">
+              <a:lnSpc>
+                <a:spcPct val="120000"/>
+              </a:lnSpc>
+            </a:pPr>
             <a:r>
               <a:rPr lang="en-US" sz="3000" dirty="0" smtClean="0"/>
               <a:t>Batch Processing </a:t>
             </a:r>
           </a:p>
           <a:p>
+            <a:pPr>
+              <a:lnSpc>
+                <a:spcPct val="120000"/>
+              </a:lnSpc>
+            </a:pPr>
             <a:r>
               <a:rPr lang="en-US" sz="3000" dirty="0" smtClean="0"/>
               <a:t>Scalability techniques employed by Spring, Django</a:t>
             </a:r>
           </a:p>
           <a:p>
+            <a:pPr>
+              <a:lnSpc>
+                <a:spcPct val="120000"/>
+              </a:lnSpc>
+            </a:pPr>
             <a:r>
               <a:rPr lang="en-US" sz="3000" dirty="0" smtClean="0"/>
               <a:t>Some highly scaled success stories</a:t>
             </a:r>
           </a:p>
           <a:p>
-            <a:pPr lvl="1"/>
+            <a:pPr lvl="1">
+              <a:lnSpc>
+                <a:spcPct val="120000"/>
+              </a:lnSpc>
+            </a:pPr>
             <a:r>
               <a:rPr lang="en-US" sz="3000" dirty="0" smtClean="0"/>
               <a:t>Django – Disqus.com, Instagram, BitBucket.com</a:t>
             </a:r>
           </a:p>
           <a:p>
-            <a:pPr lvl="1"/>
+            <a:pPr lvl="1">
+              <a:lnSpc>
+                <a:spcPct val="120000"/>
+              </a:lnSpc>
+            </a:pPr>
             <a:r>
               <a:rPr lang="en-US" sz="3000" dirty="0" smtClean="0"/>
               <a:t>Ruby on Rails – Basecamp.com</a:t>
             </a:r>
           </a:p>
           <a:p>
-            <a:pPr lvl="1"/>
+            <a:pPr lvl="1">
+              <a:lnSpc>
+                <a:spcPct val="120000"/>
+              </a:lnSpc>
+            </a:pPr>
             <a:r>
               <a:rPr lang="en-US" sz="3000" dirty="0" smtClean="0"/>
               <a:t>Spring – Bank of America, HSBC</a:t>
             </a:r>
           </a:p>
           <a:p>
-            <a:pPr lvl="1"/>
+            <a:pPr lvl="1">
+              <a:lnSpc>
+                <a:spcPct val="120000"/>
+              </a:lnSpc>
+            </a:pPr>
             <a:r>
               <a:rPr lang="en-US" sz="3000" dirty="0" smtClean="0"/>
               <a:t>Grails – LinkedIn.com</a:t>
@@ -5723,6 +5795,9 @@
           <a:lstStyle/>
           <a:p>
             <a:pPr marL="0" indent="0">
+              <a:lnSpc>
+                <a:spcPct val="100000"/>
+              </a:lnSpc>
               <a:buNone/>
             </a:pPr>
             <a:r>
@@ -5732,6 +5807,9 @@
           </a:p>
           <a:p>
             <a:pPr marL="0" indent="0">
+              <a:lnSpc>
+                <a:spcPct val="100000"/>
+              </a:lnSpc>
               <a:buNone/>
             </a:pPr>
             <a:r>
@@ -5744,109 +5822,152 @@
             </a:r>
           </a:p>
           <a:p>
-            <a:pPr lvl="1"/>
+            <a:pPr lvl="1">
+              <a:lnSpc>
+                <a:spcPct val="100000"/>
+              </a:lnSpc>
+            </a:pPr>
             <a:r>
               <a:rPr lang="en-US" sz="2800" dirty="0" smtClean="0"/>
               <a:t>Rails: </a:t>
             </a:r>
-          </a:p>
-          <a:p>
-            <a:pPr marL="457200" lvl="1" indent="0">
-              <a:buNone/>
+            <a:r>
+              <a:rPr lang="en-US" sz="2800" dirty="0" smtClean="0"/>
+              <a:t> </a:t>
+            </a:r>
+          </a:p>
+          <a:p>
+            <a:pPr lvl="2">
+              <a:lnSpc>
+                <a:spcPct val="100000"/>
+              </a:lnSpc>
             </a:pPr>
             <a:r>
-              <a:rPr lang="en-US" sz="2800" dirty="0" smtClean="0"/>
-              <a:t>	devise, brakeman, secure headers, rack attack, code sake-dawn </a:t>
-            </a:r>
-          </a:p>
-          <a:p>
-            <a:pPr lvl="1"/>
+              <a:rPr lang="en-US" dirty="0" smtClean="0"/>
+              <a:t>devise</a:t>
+            </a:r>
+            <a:r>
+              <a:rPr lang="en-US" dirty="0" smtClean="0"/>
+              <a:t>, brakeman, secure headers, rack attack, code sake-dawn </a:t>
+            </a:r>
+          </a:p>
+          <a:p>
+            <a:pPr lvl="1">
+              <a:lnSpc>
+                <a:spcPct val="100000"/>
+              </a:lnSpc>
+            </a:pPr>
             <a:r>
               <a:rPr lang="en-US" sz="2800" dirty="0" smtClean="0"/>
               <a:t>Spring: </a:t>
             </a:r>
-          </a:p>
-          <a:p>
-            <a:pPr marL="457200" lvl="1" indent="0">
-              <a:buNone/>
+            <a:endParaRPr lang="en-US" sz="2800" dirty="0" smtClean="0"/>
+          </a:p>
+          <a:p>
+            <a:pPr lvl="2">
+              <a:lnSpc>
+                <a:spcPct val="100000"/>
+              </a:lnSpc>
             </a:pPr>
             <a:r>
-              <a:rPr lang="en-US" sz="2800" dirty="0"/>
-              <a:t>	</a:t>
-            </a:r>
-            <a:r>
-              <a:rPr lang="en-US" sz="2800" dirty="0" smtClean="0"/>
-              <a:t>Acegi/Spring Security</a:t>
-            </a:r>
-          </a:p>
-          <a:p>
-            <a:pPr lvl="1"/>
+              <a:rPr lang="en-US" dirty="0" err="1" smtClean="0"/>
+              <a:t>Acegi</a:t>
+            </a:r>
+            <a:r>
+              <a:rPr lang="en-US" dirty="0" smtClean="0"/>
+              <a:t>/Spring </a:t>
+            </a:r>
+            <a:r>
+              <a:rPr lang="en-US" dirty="0" smtClean="0"/>
+              <a:t>Security</a:t>
+            </a:r>
+          </a:p>
+          <a:p>
+            <a:pPr lvl="1">
+              <a:lnSpc>
+                <a:spcPct val="100000"/>
+              </a:lnSpc>
+            </a:pPr>
             <a:r>
               <a:rPr lang="en-US" sz="2800" dirty="0" smtClean="0"/>
               <a:t>Grails: </a:t>
             </a:r>
-          </a:p>
-          <a:p>
-            <a:pPr marL="457200" lvl="1" indent="0">
-              <a:buNone/>
+            <a:endParaRPr lang="en-US" sz="2800" dirty="0" smtClean="0"/>
+          </a:p>
+          <a:p>
+            <a:pPr lvl="2">
+              <a:lnSpc>
+                <a:spcPct val="100000"/>
+              </a:lnSpc>
             </a:pPr>
             <a:r>
-              <a:rPr lang="en-US" sz="2800" dirty="0"/>
-              <a:t>	</a:t>
-            </a:r>
-            <a:r>
-              <a:rPr lang="en-US" sz="2800" dirty="0" smtClean="0"/>
-              <a:t>Spring Security</a:t>
-            </a:r>
-          </a:p>
-          <a:p>
-            <a:pPr lvl="1"/>
+              <a:rPr lang="en-US" dirty="0" smtClean="0"/>
+              <a:t>Spring </a:t>
+            </a:r>
+            <a:r>
+              <a:rPr lang="en-US" dirty="0" smtClean="0"/>
+              <a:t>Security</a:t>
+            </a:r>
+          </a:p>
+          <a:p>
+            <a:pPr lvl="1">
+              <a:lnSpc>
+                <a:spcPct val="100000"/>
+              </a:lnSpc>
+            </a:pPr>
             <a:r>
               <a:rPr lang="en-US" sz="2800" dirty="0" smtClean="0"/>
               <a:t>Django: </a:t>
             </a:r>
-          </a:p>
-          <a:p>
-            <a:pPr marL="457200" lvl="1" indent="0">
-              <a:buNone/>
+            <a:endParaRPr lang="en-US" sz="2800" dirty="0" smtClean="0"/>
+          </a:p>
+          <a:p>
+            <a:pPr lvl="2">
+              <a:lnSpc>
+                <a:spcPct val="100000"/>
+              </a:lnSpc>
             </a:pPr>
             <a:r>
-              <a:rPr lang="en-US" sz="2800" dirty="0" smtClean="0"/>
-              <a:t>     Cross </a:t>
-            </a:r>
-            <a:r>
-              <a:rPr lang="en-US" sz="2800" dirty="0"/>
+              <a:rPr lang="en-US" dirty="0" smtClean="0"/>
+              <a:t>Cross </a:t>
+            </a:r>
+            <a:r>
+              <a:rPr lang="en-US" dirty="0"/>
               <a:t>site scripting (XSS) </a:t>
             </a:r>
             <a:r>
-              <a:rPr lang="en-US" sz="2800" dirty="0" smtClean="0"/>
+              <a:rPr lang="en-US" dirty="0" smtClean="0"/>
               <a:t>protection,</a:t>
             </a:r>
             <a:r>
-              <a:rPr lang="en-US" sz="2800" dirty="0"/>
-              <a:t> Cross site request forgery (CSRF) </a:t>
-            </a:r>
-            <a:r>
-              <a:rPr lang="en-US" sz="2800" dirty="0" smtClean="0"/>
-              <a:t>            protection, </a:t>
-            </a:r>
-            <a:r>
-              <a:rPr lang="en-US" sz="2800" dirty="0"/>
+              <a:rPr lang="en-US" dirty="0"/>
+              <a:t> Cross site request forgery (CSRF</a:t>
+            </a:r>
+            <a:r>
+              <a:rPr lang="en-US" dirty="0" smtClean="0"/>
+              <a:t>) protection</a:t>
+            </a:r>
+            <a:r>
+              <a:rPr lang="en-US" dirty="0" smtClean="0"/>
+              <a:t>, </a:t>
+            </a:r>
+            <a:r>
+              <a:rPr lang="en-US" dirty="0"/>
               <a:t>SQL injection </a:t>
             </a:r>
             <a:r>
-              <a:rPr lang="en-US" sz="2800" dirty="0" smtClean="0"/>
+              <a:rPr lang="en-US" dirty="0" smtClean="0"/>
               <a:t>protection,</a:t>
             </a:r>
             <a:r>
-              <a:rPr lang="en-US" sz="2800" dirty="0"/>
+              <a:rPr lang="en-US" dirty="0"/>
               <a:t> Clickjacking </a:t>
             </a:r>
             <a:r>
-              <a:rPr lang="en-US" sz="2800" dirty="0" smtClean="0"/>
+              <a:rPr lang="en-US" dirty="0" smtClean="0"/>
               <a:t>protection.</a:t>
             </a:r>
-            <a:endParaRPr lang="en-US" sz="2800" dirty="0"/>
+            <a:endParaRPr lang="en-US" dirty="0"/>
           </a:p>
         </p:txBody>
       </p:sp>
@@ -6389,7 +6510,11 @@
           <a:bodyPr/>
           <a:lstStyle/>
           <a:p>
-            <a:pPr marL="571500" indent="-571500"/>
+            <a:pPr marL="571500" indent="-571500">
+              <a:lnSpc>
+                <a:spcPct val="100000"/>
+              </a:lnSpc>
+            </a:pPr>
             <a:r>
               <a:rPr lang="en-US" dirty="0"/>
               <a:t>What are </a:t>
@@ -6419,7 +6544,11 @@
             </a:r>
           </a:p>
           <a:p>
-            <a:pPr marL="571500" indent="-571500"/>
+            <a:pPr marL="571500" indent="-571500">
+              <a:lnSpc>
+                <a:spcPct val="100000"/>
+              </a:lnSpc>
+            </a:pPr>
             <a:r>
               <a:rPr lang="en-US" dirty="0" smtClean="0"/>
               <a:t>Don’t </a:t>
@@ -6445,14 +6574,22 @@
             </a:r>
           </a:p>
           <a:p>
-            <a:pPr marL="571500" indent="-571500"/>
+            <a:pPr marL="571500" indent="-571500">
+              <a:lnSpc>
+                <a:spcPct val="100000"/>
+              </a:lnSpc>
+            </a:pPr>
             <a:r>
               <a:rPr lang="en-US" dirty="0"/>
               <a:t>The past, the present and the possible future</a:t>
             </a:r>
           </a:p>
           <a:p>
-            <a:pPr marL="571500" indent="-571500"/>
+            <a:pPr marL="571500" indent="-571500">
+              <a:lnSpc>
+                <a:spcPct val="100000"/>
+              </a:lnSpc>
+            </a:pPr>
             <a:r>
               <a:rPr lang="en-US" dirty="0" smtClean="0"/>
               <a:t>A </a:t>
@@ -6475,6 +6612,11 @@
             <a:endParaRPr lang="en-US" dirty="0"/>
           </a:p>
           <a:p>
+            <a:pPr>
+              <a:lnSpc>
+                <a:spcPct val="100000"/>
+              </a:lnSpc>
+            </a:pPr>
             <a:endParaRPr lang="en-US" dirty="0"/>
           </a:p>
         </p:txBody>
@@ -6489,6 +6631,13 @@
   <p:clrMapOvr>
     <a:masterClrMapping/>
   </p:clrMapOvr>
+  <p:timing>
+    <p:tnLst>
+      <p:par>
+        <p:cTn id="1" dur="indefinite" restart="never" nodeType="tmRoot"/>
+      </p:par>
+    </p:tnLst>
+  </p:timing>
 </p:sld>
 </file>
 
@@ -7011,9 +7160,6 @@
           <a:bodyPr/>
           <a:lstStyle/>
           <a:p>
-            <a:pPr marL="0" indent="0">
-              <a:buNone/>
-            </a:pPr>
             <a:r>
               <a:rPr lang="en-US" dirty="0" smtClean="0"/>
               <a:t>What</a:t>
@@ -7028,31 +7174,54 @@
             </a:r>
           </a:p>
           <a:p>
-            <a:pPr marL="0" indent="0">
-              <a:buNone/>
+            <a:r>
+              <a:rPr lang="en-US" dirty="0" smtClean="0"/>
+              <a:t>Why </a:t>
+            </a:r>
+            <a:r>
+              <a:rPr lang="en-US" dirty="0" smtClean="0"/>
+              <a:t>benchmarks </a:t>
+            </a:r>
+            <a:r>
+              <a:rPr lang="en-US" dirty="0" smtClean="0"/>
+              <a:t>?</a:t>
+            </a:r>
+          </a:p>
+          <a:p>
+            <a:pPr>
+              <a:spcAft>
+                <a:spcPts val="1000"/>
+              </a:spcAft>
             </a:pPr>
             <a:r>
               <a:rPr lang="en-US" dirty="0" smtClean="0"/>
-              <a:t>Why bench marks ?</a:t>
-            </a:r>
-          </a:p>
-          <a:p>
-            <a:pPr marL="0" indent="0">
-              <a:buNone/>
-            </a:pPr>
+              <a:t> </a:t>
+            </a:r>
             <a:r>
               <a:rPr lang="en-US" dirty="0" smtClean="0"/>
-              <a:t> -TechEmpower.com  test results with</a:t>
-            </a:r>
-          </a:p>
-          <a:p>
-            <a:pPr marL="457200" lvl="1" indent="0">
-              <a:buNone/>
-            </a:pPr>
+              <a:t>TechEmpower.com  </a:t>
+            </a:r>
+            <a:r>
+              <a:rPr lang="en-US" dirty="0" smtClean="0"/>
+              <a:t>test results </a:t>
+            </a:r>
+            <a:r>
+              <a:rPr lang="en-US" dirty="0" smtClean="0"/>
+              <a:t>with</a:t>
+            </a:r>
+            <a:endParaRPr lang="en-US" dirty="0" smtClean="0"/>
+          </a:p>
+          <a:p>
+            <a:pPr lvl="1"/>
             <a:r>
               <a:rPr lang="en-US" sz="2800" b="1" dirty="0"/>
-              <a:t>JSON serialization</a:t>
-            </a:r>
+              <a:t>JSON </a:t>
+            </a:r>
+            <a:r>
+              <a:rPr lang="en-US" sz="2800" b="1" dirty="0" smtClean="0"/>
+              <a:t>serialization</a:t>
+            </a:r>
+            <a:endParaRPr lang="en-US" sz="2800" b="1" dirty="0"/>
           </a:p>
           <a:p>
             <a:pPr marL="457200" lvl="1" indent="0">
@@ -7092,13 +7261,13 @@
           <p:nvPr>
             <p:extLst>
               <p:ext uri="{D42A27DB-BD31-4B8C-83A1-F6EECF244321}">
-                <p14:modId xmlns:p14="http://schemas.microsoft.com/office/powerpoint/2010/main" val="1269737849"/>
+                <p14:modId xmlns:p14="http://schemas.microsoft.com/office/powerpoint/2010/main" val="4273056391"/>
               </p:ext>
             </p:extLst>
           </p:nvPr>
         </p:nvGraphicFramePr>
         <p:xfrm>
-          <a:off x="1397487" y="3826413"/>
+          <a:off x="1397487" y="4119490"/>
           <a:ext cx="7324482" cy="1983543"/>
         </p:xfrm>
         <a:graphic>
@@ -7588,25 +7757,6 @@
       </p:grpSpPr>
       <p:sp>
         <p:nvSpPr>
-          <p:cNvPr id="2" name="Title 1"/>
-          <p:cNvSpPr>
-            <a:spLocks noGrp="1"/>
-          </p:cNvSpPr>
-          <p:nvPr>
-            <p:ph type="title"/>
-          </p:nvPr>
-        </p:nvSpPr>
-        <p:spPr/>
-        <p:txBody>
-          <a:bodyPr/>
-          <a:lstStyle/>
-          <a:p>
-            <a:endParaRPr lang="en-US" dirty="0"/>
-          </a:p>
-        </p:txBody>
-      </p:sp>
-      <p:sp>
-        <p:nvSpPr>
           <p:cNvPr id="3" name="Content Placeholder 2"/>
           <p:cNvSpPr>
             <a:spLocks noGrp="1"/>
@@ -7617,7 +7767,7 @@
         </p:nvSpPr>
         <p:spPr>
           <a:xfrm>
-            <a:off x="838200" y="1212387"/>
+            <a:off x="838200" y="472159"/>
             <a:ext cx="10515600" cy="4351338"/>
           </a:xfrm>
         </p:spPr>
@@ -7682,13 +7832,13 @@
           <p:nvPr>
             <p:extLst>
               <p:ext uri="{D42A27DB-BD31-4B8C-83A1-F6EECF244321}">
-                <p14:modId xmlns:p14="http://schemas.microsoft.com/office/powerpoint/2010/main" val="2519685400"/>
+                <p14:modId xmlns:p14="http://schemas.microsoft.com/office/powerpoint/2010/main" val="3950541526"/>
               </p:ext>
             </p:extLst>
           </p:nvPr>
         </p:nvGraphicFramePr>
         <p:xfrm>
-          <a:off x="1123070" y="1722025"/>
+          <a:off x="1123070" y="1264825"/>
           <a:ext cx="7289410" cy="1631850"/>
         </p:xfrm>
         <a:graphic>
@@ -8124,13 +8274,13 @@
           <p:nvPr>
             <p:extLst>
               <p:ext uri="{D42A27DB-BD31-4B8C-83A1-F6EECF244321}">
-                <p14:modId xmlns:p14="http://schemas.microsoft.com/office/powerpoint/2010/main" val="1060045225"/>
+                <p14:modId xmlns:p14="http://schemas.microsoft.com/office/powerpoint/2010/main" val="1412883805"/>
               </p:ext>
             </p:extLst>
           </p:nvPr>
         </p:nvGraphicFramePr>
         <p:xfrm>
-          <a:off x="1144270" y="4136834"/>
+          <a:off x="1225912" y="4322154"/>
           <a:ext cx="7282278" cy="1799732"/>
         </p:xfrm>
         <a:graphic>
@@ -8832,7 +8982,7 @@
   <a:extraClrSchemeLst/>
   <a:extLst>
     <a:ext uri="{05A4C25C-085E-4340-85A3-A5531E510DB2}">
-      <thm15:themeFamily xmlns:thm15="http://schemas.microsoft.com/office/thememl/2012/main" name="Office Theme" id="{62F939B6-93AF-4DB8-9C6B-D6C7DFDC589F}" vid="{4A3C46E8-61CC-4603-A589-7422A47A8E4A}"/>
+      <thm15:themeFamily xmlns:thm15="http://schemas.microsoft.com/office/thememl/2012/main" xmlns="" name="Office Theme" id="{62F939B6-93AF-4DB8-9C6B-D6C7DFDC589F}" vid="{4A3C46E8-61CC-4603-A589-7422A47A8E4A}"/>
     </a:ext>
   </a:extLst>
 </a:theme>
@@ -8881,7 +9031,7 @@
     </a:clrScheme>
     <a:fontScheme name="Office">
       <a:majorFont>
-        <a:latin typeface="Calibri Light" panose="020F0302020204030204"/>
+        <a:latin typeface="Calibri Light"/>
         <a:ea typeface=""/>
         <a:cs typeface=""/>
         <a:font script="Jpan" typeface="ＭＳ Ｐゴシック"/>
@@ -8916,7 +9066,7 @@
         <a:font script="Geor" typeface="Sylfaen"/>
       </a:majorFont>
       <a:minorFont>
-        <a:latin typeface="Calibri" panose="020F0502020204030204"/>
+        <a:latin typeface="Calibri"/>
         <a:ea typeface=""/>
         <a:cs typeface=""/>
         <a:font script="Jpan" typeface="ＭＳ Ｐゴシック"/>
@@ -9093,7 +9243,7 @@
   <a:extraClrSchemeLst/>
   <a:extLst>
     <a:ext uri="{05A4C25C-085E-4340-85A3-A5531E510DB2}">
-      <thm15:themeFamily xmlns:thm15="http://schemas.microsoft.com/office/thememl/2012/main" name="Office Theme" id="{62F939B6-93AF-4DB8-9C6B-D6C7DFDC589F}" vid="{4A3C46E8-61CC-4603-A589-7422A47A8E4A}"/>
+      <thm15:themeFamily xmlns:thm15="http://schemas.microsoft.com/office/thememl/2012/main" xmlns="" name="Office Theme" id="{62F939B6-93AF-4DB8-9C6B-D6C7DFDC589F}" vid="{4A3C46E8-61CC-4603-A589-7422A47A8E4A}"/>
     </a:ext>
   </a:extLst>
 </a:theme>

--- a/serversideframeworks.pptx
+++ b/serversideframeworks.pptx
@@ -6126,8 +6126,13 @@
             </a:pPr>
             <a:r>
               <a:rPr lang="en-US" sz="2800" dirty="0"/>
-              <a:t>Inconsistency</a:t>
-            </a:r>
+              <a:t>C</a:t>
+            </a:r>
+            <a:r>
+              <a:rPr lang="en-US" sz="2800" dirty="0" smtClean="0"/>
+              <a:t>onsistency</a:t>
+            </a:r>
+            <a:endParaRPr lang="en-US" sz="2800" dirty="0"/>
           </a:p>
           <a:p>
             <a:pPr marL="914400" lvl="1" indent="-457200">

--- a/serversideframeworks.pptx
+++ b/serversideframeworks.pptx
@@ -124,7 +124,7 @@
   </p:defaultTextStyle>
   <p:extLst>
     <p:ext uri="{EFAFB233-063F-42B5-8137-9DF3F51BA10A}">
-      <p15:sldGuideLst xmlns:p15="http://schemas.microsoft.com/office/powerpoint/2012/main" xmlns="">
+      <p15:sldGuideLst xmlns="" xmlns:p15="http://schemas.microsoft.com/office/powerpoint/2012/main">
         <p15:guide id="1" orient="horz" pos="2160">
           <p15:clr>
             <a:srgbClr val="A4A3A4"/>
@@ -155,17 +155,48 @@
     </mc:Fallback>
   </mc:AlternateContent>
   <c:chart>
-    <c:autoTitleDeleted val="1"/>
+    <c:title>
+      <c:tx>
+        <c:rich>
+          <a:bodyPr/>
+          <a:lstStyle/>
+          <a:p>
+            <a:pPr>
+              <a:defRPr/>
+            </a:pPr>
+            <a:r>
+              <a:rPr lang="en-US" sz="1800" b="1" i="0" baseline="0" dirty="0" smtClean="0">
+                <a:effectLst/>
+              </a:rPr>
+              <a:t>Server Side Frameworks Popularity Across Websites</a:t>
+            </a:r>
+            <a:endParaRPr lang="en-US" dirty="0">
+              <a:effectLst/>
+            </a:endParaRPr>
+          </a:p>
+        </c:rich>
+      </c:tx>
+      <c:layout>
+        <c:manualLayout>
+          <c:xMode val="edge"/>
+          <c:yMode val="edge"/>
+          <c:x val="0.26346618357487922"/>
+          <c:y val="0.92520967114023323"/>
+        </c:manualLayout>
+      </c:layout>
+      <c:overlay val="0"/>
+    </c:title>
+    <c:autoTitleDeleted val="0"/>
     <c:plotArea>
       <c:layout>
         <c:manualLayout>
           <c:layoutTarget val="inner"/>
           <c:xMode val="edge"/>
           <c:yMode val="edge"/>
-          <c:x val="6.3996348282551643E-2"/>
-          <c:y val="5.0711244077537285E-2"/>
-          <c:w val="0.90544809616189281"/>
-          <c:h val="0.6812902305734122"/>
+          <c:x val="1.3285024154589372E-2"/>
+          <c:y val="0.10524027322170791"/>
+          <c:w val="0.97342995169082125"/>
+          <c:h val="0.73408363128766374"/>
         </c:manualLayout>
       </c:layout>
       <c:barChart>
@@ -402,19 +433,19 @@
         </c:ser>
         <c:dLbls>
           <c:showLegendKey val="0"/>
-          <c:showVal val="0"/>
+          <c:showVal val="1"/>
           <c:showCatName val="0"/>
           <c:showSerName val="0"/>
           <c:showPercent val="0"/>
           <c:showBubbleSize val="0"/>
         </c:dLbls>
-        <c:gapWidth val="75"/>
+        <c:gapWidth val="150"/>
         <c:overlap val="-25"/>
-        <c:axId val="177275648"/>
-        <c:axId val="177277184"/>
+        <c:axId val="176751360"/>
+        <c:axId val="176752896"/>
       </c:barChart>
       <c:catAx>
-        <c:axId val="177275648"/>
+        <c:axId val="176751360"/>
         <c:scaling>
           <c:orientation val="minMax"/>
         </c:scaling>
@@ -424,7 +455,7 @@
         <c:majorTickMark val="none"/>
         <c:minorTickMark val="none"/>
         <c:tickLblPos val="nextTo"/>
-        <c:crossAx val="177277184"/>
+        <c:crossAx val="176752896"/>
         <c:crosses val="autoZero"/>
         <c:auto val="1"/>
         <c:lblAlgn val="ctr"/>
@@ -432,38 +463,32 @@
         <c:noMultiLvlLbl val="0"/>
       </c:catAx>
       <c:valAx>
-        <c:axId val="177277184"/>
+        <c:axId val="176752896"/>
         <c:scaling>
           <c:orientation val="minMax"/>
           <c:max val="200000"/>
         </c:scaling>
-        <c:delete val="0"/>
+        <c:delete val="1"/>
         <c:axPos val="l"/>
-        <c:majorGridlines/>
         <c:numFmt formatCode="#,##0" sourceLinked="1"/>
         <c:majorTickMark val="none"/>
         <c:minorTickMark val="none"/>
         <c:tickLblPos val="nextTo"/>
-        <c:spPr>
-          <a:ln w="9525">
-            <a:noFill/>
-          </a:ln>
-        </c:spPr>
-        <c:crossAx val="177275648"/>
+        <c:crossAx val="176751360"/>
         <c:crosses val="autoZero"/>
         <c:crossBetween val="between"/>
       </c:valAx>
     </c:plotArea>
     <c:legend>
-      <c:legendPos val="b"/>
+      <c:legendPos val="t"/>
       <c:layout>
         <c:manualLayout>
           <c:xMode val="edge"/>
           <c:yMode val="edge"/>
-          <c:x val="0.37985761154855641"/>
-          <c:y val="0.118149445377113"/>
-          <c:w val="0.58472900262467187"/>
-          <c:h val="7.5463346782819227E-2"/>
+          <c:x val="0.37288495188101489"/>
+          <c:y val="2.619493130618674E-2"/>
+          <c:w val="0.25423000114116168"/>
+          <c:h val="5.2777559454126523E-2"/>
         </c:manualLayout>
       </c:layout>
       <c:overlay val="0"/>
@@ -493,17 +518,48 @@
     </mc:Fallback>
   </mc:AlternateContent>
   <c:chart>
-    <c:autoTitleDeleted val="1"/>
+    <c:title>
+      <c:tx>
+        <c:rich>
+          <a:bodyPr/>
+          <a:lstStyle/>
+          <a:p>
+            <a:pPr>
+              <a:defRPr/>
+            </a:pPr>
+            <a:r>
+              <a:rPr lang="en-US" sz="1800" b="1" i="0" baseline="0" dirty="0" smtClean="0">
+                <a:effectLst/>
+              </a:rPr>
+              <a:t>Client Side Frameworks Popularity Across Websites</a:t>
+            </a:r>
+            <a:endParaRPr lang="en-US" dirty="0">
+              <a:effectLst/>
+            </a:endParaRPr>
+          </a:p>
+        </c:rich>
+      </c:tx>
+      <c:layout>
+        <c:manualLayout>
+          <c:xMode val="edge"/>
+          <c:yMode val="edge"/>
+          <c:x val="0.2611604938271605"/>
+          <c:y val="0.92922628278966768"/>
+        </c:manualLayout>
+      </c:layout>
+      <c:overlay val="0"/>
+    </c:title>
+    <c:autoTitleDeleted val="0"/>
     <c:plotArea>
       <c:layout>
         <c:manualLayout>
           <c:layoutTarget val="inner"/>
           <c:xMode val="edge"/>
           <c:yMode val="edge"/>
-          <c:x val="6.011218042189171E-2"/>
-          <c:y val="2.8499317946210623E-2"/>
-          <c:w val="0.92630757266452801"/>
-          <c:h val="0.73499830320297477"/>
+          <c:x val="1.3580246913580247E-2"/>
+          <c:y val="8.2290310147007925E-2"/>
+          <c:w val="0.97283950617283954"/>
+          <c:h val="0.76612861660815634"/>
         </c:manualLayout>
       </c:layout>
       <c:barChart>
@@ -683,19 +739,19 @@
         </c:ser>
         <c:dLbls>
           <c:showLegendKey val="0"/>
-          <c:showVal val="0"/>
+          <c:showVal val="1"/>
           <c:showCatName val="0"/>
           <c:showSerName val="0"/>
           <c:showPercent val="0"/>
           <c:showBubbleSize val="0"/>
         </c:dLbls>
-        <c:gapWidth val="75"/>
+        <c:gapWidth val="150"/>
         <c:overlap val="-25"/>
-        <c:axId val="177307648"/>
-        <c:axId val="177311104"/>
+        <c:axId val="176788224"/>
+        <c:axId val="176789760"/>
       </c:barChart>
       <c:catAx>
-        <c:axId val="177307648"/>
+        <c:axId val="176788224"/>
         <c:scaling>
           <c:orientation val="minMax"/>
         </c:scaling>
@@ -705,7 +761,7 @@
         <c:majorTickMark val="none"/>
         <c:minorTickMark val="none"/>
         <c:tickLblPos val="nextTo"/>
-        <c:crossAx val="177311104"/>
+        <c:crossAx val="176789760"/>
         <c:crosses val="autoZero"/>
         <c:auto val="1"/>
         <c:lblAlgn val="ctr"/>
@@ -713,35 +769,29 @@
         <c:noMultiLvlLbl val="0"/>
       </c:catAx>
       <c:valAx>
-        <c:axId val="177311104"/>
+        <c:axId val="176789760"/>
         <c:scaling>
           <c:orientation val="minMax"/>
         </c:scaling>
-        <c:delete val="0"/>
+        <c:delete val="1"/>
         <c:axPos val="l"/>
-        <c:majorGridlines/>
         <c:numFmt formatCode="#,##0" sourceLinked="1"/>
         <c:majorTickMark val="none"/>
         <c:minorTickMark val="none"/>
         <c:tickLblPos val="nextTo"/>
-        <c:spPr>
-          <a:ln w="9525">
-            <a:noFill/>
-          </a:ln>
-        </c:spPr>
-        <c:crossAx val="177307648"/>
+        <c:crossAx val="176788224"/>
         <c:crosses val="autoZero"/>
         <c:crossBetween val="between"/>
       </c:valAx>
     </c:plotArea>
     <c:legend>
-      <c:legendPos val="b"/>
+      <c:legendPos val="t"/>
       <c:layout>
         <c:manualLayout>
           <c:xMode val="edge"/>
           <c:yMode val="edge"/>
           <c:x val="0.38420423835909401"/>
-          <c:y val="0.8406379148335229"/>
+          <c:y val="2.3038238872235328E-2"/>
           <c:w val="0.23159142607174102"/>
           <c:h val="4.6417454109169434E-2"/>
         </c:manualLayout>
@@ -763,12 +813,12 @@
 <c:userShapes xmlns:c="http://schemas.openxmlformats.org/drawingml/2006/chart">
   <cdr:relSizeAnchor xmlns:cdr="http://schemas.openxmlformats.org/drawingml/2006/chartDrawing">
     <cdr:from>
-      <cdr:x>2.18723E-7</cdr:x>
-      <cdr:y>0.86228</cdr:y>
+      <cdr:x>1.90194E-7</cdr:x>
+      <cdr:y>0</cdr:y>
     </cdr:from>
     <cdr:to>
       <cdr:x>1</cdr:x>
-      <cdr:y>0.95618</cdr:y>
+      <cdr:y>0.0939</cdr:y>
     </cdr:to>
     <cdr:sp macro="" textlink="">
       <cdr:nvSpPr>
@@ -777,8 +827,8 @@
       </cdr:nvSpPr>
       <cdr:spPr>
         <a:xfrm xmlns:a="http://schemas.openxmlformats.org/drawingml/2006/main">
-          <a:off x="1" y="2624139"/>
-          <a:ext cx="4571999" cy="285750"/>
+          <a:off x="2" y="-1825625"/>
+          <a:ext cx="10515598" cy="408590"/>
         </a:xfrm>
         <a:prstGeom xmlns:a="http://schemas.openxmlformats.org/drawingml/2006/main" prst="rect">
           <a:avLst/>
@@ -798,14 +848,7 @@
               <a:cs typeface="+mn-cs"/>
             </a:defRPr>
           </a:pPr>
-          <a:r>
-            <a:rPr lang="en-US" sz="1600" dirty="0" smtClean="0"/>
-            <a:t>Server Side </a:t>
-          </a:r>
-          <a:r>
-            <a:rPr lang="en-US" sz="1600" dirty="0"/>
-            <a:t>Frameworks Popularity Across Websites</a:t>
-          </a:r>
+          <a:endParaRPr lang="en-US" sz="1600" dirty="0"/>
         </a:p>
       </cdr:txBody>
     </cdr:sp>
@@ -916,10 +959,7 @@
               <a:cs typeface="+mn-cs"/>
             </a:defRPr>
           </a:pPr>
-          <a:r>
-            <a:rPr lang="en-US" sz="1600" dirty="0"/>
-            <a:t>Client Side Frameworks Popularity Across Websites</a:t>
-          </a:r>
+          <a:endParaRPr lang="en-US" sz="1600" dirty="0"/>
         </a:p>
       </cdr:txBody>
     </cdr:sp>
@@ -1009,7 +1049,7 @@
           <a:p>
             <a:fld id="{94BC342C-9528-4A83-9267-FAEFCF36C1EA}" type="datetimeFigureOut">
               <a:rPr lang="en-US" smtClean="0"/>
-              <a:t>4/26/2015</a:t>
+              <a:t>4/27/2015</a:t>
             </a:fld>
             <a:endParaRPr lang="en-US"/>
           </a:p>
@@ -1612,7 +1652,7 @@
           <a:p>
             <a:fld id="{530E89B0-8622-4893-9484-0ED7ACF58607}" type="datetimeFigureOut">
               <a:rPr lang="en-US" smtClean="0"/>
-              <a:t>4/26/2015</a:t>
+              <a:t>4/27/2015</a:t>
             </a:fld>
             <a:endParaRPr lang="en-US"/>
           </a:p>
@@ -1782,7 +1822,7 @@
           <a:p>
             <a:fld id="{530E89B0-8622-4893-9484-0ED7ACF58607}" type="datetimeFigureOut">
               <a:rPr lang="en-US" smtClean="0"/>
-              <a:t>4/26/2015</a:t>
+              <a:t>4/27/2015</a:t>
             </a:fld>
             <a:endParaRPr lang="en-US"/>
           </a:p>
@@ -1962,7 +2002,7 @@
           <a:p>
             <a:fld id="{530E89B0-8622-4893-9484-0ED7ACF58607}" type="datetimeFigureOut">
               <a:rPr lang="en-US" smtClean="0"/>
-              <a:t>4/26/2015</a:t>
+              <a:t>4/27/2015</a:t>
             </a:fld>
             <a:endParaRPr lang="en-US"/>
           </a:p>
@@ -2132,7 +2172,7 @@
           <a:p>
             <a:fld id="{530E89B0-8622-4893-9484-0ED7ACF58607}" type="datetimeFigureOut">
               <a:rPr lang="en-US" smtClean="0"/>
-              <a:t>4/26/2015</a:t>
+              <a:t>4/27/2015</a:t>
             </a:fld>
             <a:endParaRPr lang="en-US"/>
           </a:p>
@@ -2378,7 +2418,7 @@
           <a:p>
             <a:fld id="{530E89B0-8622-4893-9484-0ED7ACF58607}" type="datetimeFigureOut">
               <a:rPr lang="en-US" smtClean="0"/>
-              <a:t>4/26/2015</a:t>
+              <a:t>4/27/2015</a:t>
             </a:fld>
             <a:endParaRPr lang="en-US"/>
           </a:p>
@@ -2610,7 +2650,7 @@
           <a:p>
             <a:fld id="{530E89B0-8622-4893-9484-0ED7ACF58607}" type="datetimeFigureOut">
               <a:rPr lang="en-US" smtClean="0"/>
-              <a:t>4/26/2015</a:t>
+              <a:t>4/27/2015</a:t>
             </a:fld>
             <a:endParaRPr lang="en-US"/>
           </a:p>
@@ -2977,7 +3017,7 @@
           <a:p>
             <a:fld id="{530E89B0-8622-4893-9484-0ED7ACF58607}" type="datetimeFigureOut">
               <a:rPr lang="en-US" smtClean="0"/>
-              <a:t>4/26/2015</a:t>
+              <a:t>4/27/2015</a:t>
             </a:fld>
             <a:endParaRPr lang="en-US"/>
           </a:p>
@@ -3095,7 +3135,7 @@
           <a:p>
             <a:fld id="{530E89B0-8622-4893-9484-0ED7ACF58607}" type="datetimeFigureOut">
               <a:rPr lang="en-US" smtClean="0"/>
-              <a:t>4/26/2015</a:t>
+              <a:t>4/27/2015</a:t>
             </a:fld>
             <a:endParaRPr lang="en-US"/>
           </a:p>
@@ -3190,7 +3230,7 @@
           <a:p>
             <a:fld id="{530E89B0-8622-4893-9484-0ED7ACF58607}" type="datetimeFigureOut">
               <a:rPr lang="en-US" smtClean="0"/>
-              <a:t>4/26/2015</a:t>
+              <a:t>4/27/2015</a:t>
             </a:fld>
             <a:endParaRPr lang="en-US"/>
           </a:p>
@@ -3467,7 +3507,7 @@
           <a:p>
             <a:fld id="{530E89B0-8622-4893-9484-0ED7ACF58607}" type="datetimeFigureOut">
               <a:rPr lang="en-US" smtClean="0"/>
-              <a:t>4/26/2015</a:t>
+              <a:t>4/27/2015</a:t>
             </a:fld>
             <a:endParaRPr lang="en-US"/>
           </a:p>
@@ -3720,7 +3760,7 @@
           <a:p>
             <a:fld id="{530E89B0-8622-4893-9484-0ED7ACF58607}" type="datetimeFigureOut">
               <a:rPr lang="en-US" smtClean="0"/>
-              <a:t>4/26/2015</a:t>
+              <a:t>4/27/2015</a:t>
             </a:fld>
             <a:endParaRPr lang="en-US"/>
           </a:p>
@@ -3933,7 +3973,7 @@
           <a:p>
             <a:fld id="{530E89B0-8622-4893-9484-0ED7ACF58607}" type="datetimeFigureOut">
               <a:rPr lang="en-US" smtClean="0"/>
-              <a:t>4/26/2015</a:t>
+              <a:t>4/27/2015</a:t>
             </a:fld>
             <a:endParaRPr lang="en-US"/>
           </a:p>
@@ -4397,7 +4437,6 @@
               <a:rPr lang="en-US" dirty="0" smtClean="0"/>
               <a:t>By </a:t>
             </a:r>
-            <a:endParaRPr lang="en-US" dirty="0" smtClean="0"/>
           </a:p>
           <a:p>
             <a:pPr algn="r"/>
@@ -4538,11 +4577,7 @@
           <a:p>
             <a:r>
               <a:rPr lang="en-US" b="1" dirty="0" smtClean="0"/>
-              <a:t>Plain </a:t>
-            </a:r>
-            <a:r>
-              <a:rPr lang="en-US" b="1" dirty="0" smtClean="0"/>
-              <a:t>Text</a:t>
+              <a:t>Plain Text</a:t>
             </a:r>
           </a:p>
           <a:p>
@@ -5829,11 +5864,7 @@
             </a:pPr>
             <a:r>
               <a:rPr lang="en-US" sz="2800" dirty="0" smtClean="0"/>
-              <a:t>Rails: </a:t>
-            </a:r>
-            <a:r>
-              <a:rPr lang="en-US" sz="2800" dirty="0" smtClean="0"/>
-              <a:t> </a:t>
+              <a:t>Rails:  </a:t>
             </a:r>
           </a:p>
           <a:p>
@@ -5844,11 +5875,7 @@
             </a:pPr>
             <a:r>
               <a:rPr lang="en-US" dirty="0" smtClean="0"/>
-              <a:t>devise</a:t>
-            </a:r>
-            <a:r>
-              <a:rPr lang="en-US" dirty="0" smtClean="0"/>
-              <a:t>, brakeman, secure headers, rack attack, code sake-dawn </a:t>
+              <a:t>devise, brakeman, secure headers, rack attack, code sake-dawn </a:t>
             </a:r>
           </a:p>
           <a:p>
@@ -5861,7 +5888,6 @@
               <a:rPr lang="en-US" sz="2800" dirty="0" smtClean="0"/>
               <a:t>Spring: </a:t>
             </a:r>
-            <a:endParaRPr lang="en-US" sz="2800" dirty="0" smtClean="0"/>
           </a:p>
           <a:p>
             <a:pPr lvl="2">
@@ -5875,11 +5901,7 @@
             </a:r>
             <a:r>
               <a:rPr lang="en-US" dirty="0" smtClean="0"/>
-              <a:t>/Spring </a:t>
-            </a:r>
-            <a:r>
-              <a:rPr lang="en-US" dirty="0" smtClean="0"/>
-              <a:t>Security</a:t>
+              <a:t>/Spring Security</a:t>
             </a:r>
           </a:p>
           <a:p>
@@ -5892,7 +5914,6 @@
               <a:rPr lang="en-US" sz="2800" dirty="0" smtClean="0"/>
               <a:t>Grails: </a:t>
             </a:r>
-            <a:endParaRPr lang="en-US" sz="2800" dirty="0" smtClean="0"/>
           </a:p>
           <a:p>
             <a:pPr lvl="2">
@@ -5902,11 +5923,7 @@
             </a:pPr>
             <a:r>
               <a:rPr lang="en-US" dirty="0" smtClean="0"/>
-              <a:t>Spring </a:t>
-            </a:r>
-            <a:r>
-              <a:rPr lang="en-US" dirty="0" smtClean="0"/>
-              <a:t>Security</a:t>
+              <a:t>Spring Security</a:t>
             </a:r>
           </a:p>
           <a:p>
@@ -5919,7 +5936,6 @@
               <a:rPr lang="en-US" sz="2800" dirty="0" smtClean="0"/>
               <a:t>Django: </a:t>
             </a:r>
-            <a:endParaRPr lang="en-US" sz="2800" dirty="0" smtClean="0"/>
           </a:p>
           <a:p>
             <a:pPr lvl="2">
@@ -5945,11 +5961,7 @@
             </a:r>
             <a:r>
               <a:rPr lang="en-US" dirty="0" smtClean="0"/>
-              <a:t>) protection</a:t>
-            </a:r>
-            <a:r>
-              <a:rPr lang="en-US" dirty="0" smtClean="0"/>
-              <a:t>, </a:t>
+              <a:t>) protection, </a:t>
             </a:r>
             <a:r>
               <a:rPr lang="en-US" dirty="0"/>
@@ -6697,7 +6709,7 @@
             <p:ph idx="1"/>
             <p:extLst>
               <p:ext uri="{D42A27DB-BD31-4B8C-83A1-F6EECF244321}">
-                <p14:modId xmlns:p14="http://schemas.microsoft.com/office/powerpoint/2010/main" val="558430946"/>
+                <p14:modId xmlns:p14="http://schemas.microsoft.com/office/powerpoint/2010/main" val="1108031158"/>
               </p:ext>
             </p:extLst>
           </p:nvPr>
@@ -6880,7 +6892,7 @@
           <p:nvPr>
             <p:extLst>
               <p:ext uri="{D42A27DB-BD31-4B8C-83A1-F6EECF244321}">
-                <p14:modId xmlns:p14="http://schemas.microsoft.com/office/powerpoint/2010/main" val="1545456600"/>
+                <p14:modId xmlns:p14="http://schemas.microsoft.com/office/powerpoint/2010/main" val="2347526280"/>
               </p:ext>
             </p:extLst>
           </p:nvPr>
@@ -7181,15 +7193,7 @@
           <a:p>
             <a:r>
               <a:rPr lang="en-US" dirty="0" smtClean="0"/>
-              <a:t>Why </a:t>
-            </a:r>
-            <a:r>
-              <a:rPr lang="en-US" dirty="0" smtClean="0"/>
-              <a:t>benchmarks </a:t>
-            </a:r>
-            <a:r>
-              <a:rPr lang="en-US" dirty="0" smtClean="0"/>
-              <a:t>?</a:t>
+              <a:t>Why benchmarks ?</a:t>
             </a:r>
           </a:p>
           <a:p>
@@ -7200,21 +7204,8 @@
             </a:pPr>
             <a:r>
               <a:rPr lang="en-US" dirty="0" smtClean="0"/>
-              <a:t> </a:t>
-            </a:r>
-            <a:r>
-              <a:rPr lang="en-US" dirty="0" smtClean="0"/>
-              <a:t>TechEmpower.com  </a:t>
-            </a:r>
-            <a:r>
-              <a:rPr lang="en-US" dirty="0" smtClean="0"/>
-              <a:t>test results </a:t>
-            </a:r>
-            <a:r>
-              <a:rPr lang="en-US" dirty="0" smtClean="0"/>
-              <a:t>with</a:t>
-            </a:r>
-            <a:endParaRPr lang="en-US" dirty="0" smtClean="0"/>
+              <a:t> TechEmpower.com  test results with</a:t>
+            </a:r>
           </a:p>
           <a:p>
             <a:pPr lvl="1"/>
@@ -8987,7 +8978,7 @@
   <a:extraClrSchemeLst/>
   <a:extLst>
     <a:ext uri="{05A4C25C-085E-4340-85A3-A5531E510DB2}">
-      <thm15:themeFamily xmlns:thm15="http://schemas.microsoft.com/office/thememl/2012/main" xmlns="" name="Office Theme" id="{62F939B6-93AF-4DB8-9C6B-D6C7DFDC589F}" vid="{4A3C46E8-61CC-4603-A589-7422A47A8E4A}"/>
+      <thm15:themeFamily xmlns="" xmlns:thm15="http://schemas.microsoft.com/office/thememl/2012/main" name="Office Theme" id="{62F939B6-93AF-4DB8-9C6B-D6C7DFDC589F}" vid="{4A3C46E8-61CC-4603-A589-7422A47A8E4A}"/>
     </a:ext>
   </a:extLst>
 </a:theme>
@@ -9248,7 +9239,7 @@
   <a:extraClrSchemeLst/>
   <a:extLst>
     <a:ext uri="{05A4C25C-085E-4340-85A3-A5531E510DB2}">
-      <thm15:themeFamily xmlns:thm15="http://schemas.microsoft.com/office/thememl/2012/main" xmlns="" name="Office Theme" id="{62F939B6-93AF-4DB8-9C6B-D6C7DFDC589F}" vid="{4A3C46E8-61CC-4603-A589-7422A47A8E4A}"/>
+      <thm15:themeFamily xmlns="" xmlns:thm15="http://schemas.microsoft.com/office/thememl/2012/main" name="Office Theme" id="{62F939B6-93AF-4DB8-9C6B-D6C7DFDC589F}" vid="{4A3C46E8-61CC-4603-A589-7422A47A8E4A}"/>
     </a:ext>
   </a:extLst>
 </a:theme>

--- a/serversideframeworks.pptx
+++ b/serversideframeworks.pptx
@@ -124,7 +124,7 @@
   </p:defaultTextStyle>
   <p:extLst>
     <p:ext uri="{EFAFB233-063F-42B5-8137-9DF3F51BA10A}">
-      <p15:sldGuideLst xmlns="" xmlns:p15="http://schemas.microsoft.com/office/powerpoint/2012/main">
+      <p15:sldGuideLst xmlns:p15="http://schemas.microsoft.com/office/powerpoint/2012/main" xmlns="">
         <p15:guide id="1" orient="horz" pos="2160">
           <p15:clr>
             <a:srgbClr val="A4A3A4"/>
@@ -168,7 +168,25 @@
               <a:rPr lang="en-US" sz="1800" b="1" i="0" baseline="0" dirty="0" smtClean="0">
                 <a:effectLst/>
               </a:rPr>
-              <a:t>Server Side Frameworks Popularity Across Websites</a:t>
+              <a:t>Server </a:t>
+            </a:r>
+            <a:r>
+              <a:rPr lang="en-US" sz="1800" b="1" i="0" baseline="0" smtClean="0">
+                <a:effectLst/>
+              </a:rPr>
+              <a:t>Side </a:t>
+            </a:r>
+            <a:r>
+              <a:rPr lang="en-US" sz="1800" b="1" i="0" baseline="0" smtClean="0">
+                <a:effectLst/>
+              </a:rPr>
+              <a:t>Frameworks Popularity </a:t>
+            </a:r>
+            <a:r>
+              <a:rPr lang="en-US" sz="1800" b="1" i="0" baseline="0" dirty="0" smtClean="0">
+                <a:effectLst/>
+              </a:rPr>
+              <a:t>Across Websites</a:t>
             </a:r>
             <a:endParaRPr lang="en-US" dirty="0">
               <a:effectLst/>
@@ -441,11 +459,11 @@
         </c:dLbls>
         <c:gapWidth val="150"/>
         <c:overlap val="-25"/>
-        <c:axId val="176751360"/>
-        <c:axId val="176752896"/>
+        <c:axId val="177277568"/>
+        <c:axId val="177291648"/>
       </c:barChart>
       <c:catAx>
-        <c:axId val="176751360"/>
+        <c:axId val="177277568"/>
         <c:scaling>
           <c:orientation val="minMax"/>
         </c:scaling>
@@ -455,7 +473,7 @@
         <c:majorTickMark val="none"/>
         <c:minorTickMark val="none"/>
         <c:tickLblPos val="nextTo"/>
-        <c:crossAx val="176752896"/>
+        <c:crossAx val="177291648"/>
         <c:crosses val="autoZero"/>
         <c:auto val="1"/>
         <c:lblAlgn val="ctr"/>
@@ -463,7 +481,7 @@
         <c:noMultiLvlLbl val="0"/>
       </c:catAx>
       <c:valAx>
-        <c:axId val="176752896"/>
+        <c:axId val="177291648"/>
         <c:scaling>
           <c:orientation val="minMax"/>
           <c:max val="200000"/>
@@ -474,7 +492,7 @@
         <c:majorTickMark val="none"/>
         <c:minorTickMark val="none"/>
         <c:tickLblPos val="nextTo"/>
-        <c:crossAx val="176751360"/>
+        <c:crossAx val="177277568"/>
         <c:crosses val="autoZero"/>
         <c:crossBetween val="between"/>
       </c:valAx>
@@ -485,13 +503,23 @@
         <c:manualLayout>
           <c:xMode val="edge"/>
           <c:yMode val="edge"/>
-          <c:x val="0.37288495188101489"/>
+          <c:x val="0.21467239149454145"/>
           <c:y val="2.619493130618674E-2"/>
-          <c:w val="0.25423000114116168"/>
-          <c:h val="5.2777559454126523E-2"/>
+          <c:w val="0.65640391418463995"/>
+          <c:h val="0.14033683432544197"/>
         </c:manualLayout>
       </c:layout>
       <c:overlay val="0"/>
+      <c:txPr>
+        <a:bodyPr/>
+        <a:lstStyle/>
+        <a:p>
+          <a:pPr>
+            <a:defRPr sz="2000"/>
+          </a:pPr>
+          <a:endParaRPr lang="en-US"/>
+        </a:p>
+      </c:txPr>
     </c:legend>
     <c:plotVisOnly val="1"/>
     <c:dispBlanksAs val="gap"/>
@@ -531,7 +559,19 @@
               <a:rPr lang="en-US" sz="1800" b="1" i="0" baseline="0" dirty="0" smtClean="0">
                 <a:effectLst/>
               </a:rPr>
-              <a:t>Client Side Frameworks Popularity Across Websites</a:t>
+              <a:t>Client Side </a:t>
+            </a:r>
+            <a:r>
+              <a:rPr lang="en-US" sz="1800" b="1" i="0" baseline="0" dirty="0" smtClean="0">
+                <a:effectLst/>
+              </a:rPr>
+              <a:t>Frameworks </a:t>
+            </a:r>
+            <a:r>
+              <a:rPr lang="en-US" sz="1800" b="1" i="0" baseline="0" dirty="0" smtClean="0">
+                <a:effectLst/>
+              </a:rPr>
+              <a:t>Popularity Across Websites</a:t>
             </a:r>
             <a:endParaRPr lang="en-US" dirty="0">
               <a:effectLst/>
@@ -747,11 +787,11 @@
         </c:dLbls>
         <c:gapWidth val="150"/>
         <c:overlap val="-25"/>
-        <c:axId val="176788224"/>
-        <c:axId val="176789760"/>
+        <c:axId val="177357568"/>
+        <c:axId val="177359104"/>
       </c:barChart>
       <c:catAx>
-        <c:axId val="176788224"/>
+        <c:axId val="177357568"/>
         <c:scaling>
           <c:orientation val="minMax"/>
         </c:scaling>
@@ -761,7 +801,7 @@
         <c:majorTickMark val="none"/>
         <c:minorTickMark val="none"/>
         <c:tickLblPos val="nextTo"/>
-        <c:crossAx val="176789760"/>
+        <c:crossAx val="177359104"/>
         <c:crosses val="autoZero"/>
         <c:auto val="1"/>
         <c:lblAlgn val="ctr"/>
@@ -769,7 +809,7 @@
         <c:noMultiLvlLbl val="0"/>
       </c:catAx>
       <c:valAx>
-        <c:axId val="176789760"/>
+        <c:axId val="177359104"/>
         <c:scaling>
           <c:orientation val="minMax"/>
         </c:scaling>
@@ -779,7 +819,7 @@
         <c:majorTickMark val="none"/>
         <c:minorTickMark val="none"/>
         <c:tickLblPos val="nextTo"/>
-        <c:crossAx val="176788224"/>
+        <c:crossAx val="177357568"/>
         <c:crosses val="autoZero"/>
         <c:crossBetween val="between"/>
       </c:valAx>
@@ -790,13 +830,23 @@
         <c:manualLayout>
           <c:xMode val="edge"/>
           <c:yMode val="edge"/>
-          <c:x val="0.38420423835909401"/>
+          <c:x val="0.26666666666666666"/>
           <c:y val="2.3038238872235328E-2"/>
-          <c:w val="0.23159142607174102"/>
-          <c:h val="4.6417454109169434E-2"/>
+          <c:w val="0.39578895693593852"/>
+          <c:h val="0.22610209442761348"/>
         </c:manualLayout>
       </c:layout>
       <c:overlay val="0"/>
+      <c:txPr>
+        <a:bodyPr/>
+        <a:lstStyle/>
+        <a:p>
+          <a:pPr>
+            <a:defRPr sz="1800"/>
+          </a:pPr>
+          <a:endParaRPr lang="en-US"/>
+        </a:p>
+      </c:txPr>
     </c:legend>
     <c:plotVisOnly val="1"/>
     <c:dispBlanksAs val="gap"/>
@@ -6709,7 +6759,7 @@
             <p:ph idx="1"/>
             <p:extLst>
               <p:ext uri="{D42A27DB-BD31-4B8C-83A1-F6EECF244321}">
-                <p14:modId xmlns:p14="http://schemas.microsoft.com/office/powerpoint/2010/main" val="1108031158"/>
+                <p14:modId xmlns:p14="http://schemas.microsoft.com/office/powerpoint/2010/main" val="3075862068"/>
               </p:ext>
             </p:extLst>
           </p:nvPr>
@@ -6892,7 +6942,7 @@
           <p:nvPr>
             <p:extLst>
               <p:ext uri="{D42A27DB-BD31-4B8C-83A1-F6EECF244321}">
-                <p14:modId xmlns:p14="http://schemas.microsoft.com/office/powerpoint/2010/main" val="2347526280"/>
+                <p14:modId xmlns:p14="http://schemas.microsoft.com/office/powerpoint/2010/main" val="3221788123"/>
               </p:ext>
             </p:extLst>
           </p:nvPr>
@@ -8978,7 +9028,7 @@
   <a:extraClrSchemeLst/>
   <a:extLst>
     <a:ext uri="{05A4C25C-085E-4340-85A3-A5531E510DB2}">
-      <thm15:themeFamily xmlns="" xmlns:thm15="http://schemas.microsoft.com/office/thememl/2012/main" name="Office Theme" id="{62F939B6-93AF-4DB8-9C6B-D6C7DFDC589F}" vid="{4A3C46E8-61CC-4603-A589-7422A47A8E4A}"/>
+      <thm15:themeFamily xmlns:thm15="http://schemas.microsoft.com/office/thememl/2012/main" xmlns="" name="Office Theme" id="{62F939B6-93AF-4DB8-9C6B-D6C7DFDC589F}" vid="{4A3C46E8-61CC-4603-A589-7422A47A8E4A}"/>
     </a:ext>
   </a:extLst>
 </a:theme>
@@ -9239,7 +9289,7 @@
   <a:extraClrSchemeLst/>
   <a:extLst>
     <a:ext uri="{05A4C25C-085E-4340-85A3-A5531E510DB2}">
-      <thm15:themeFamily xmlns="" xmlns:thm15="http://schemas.microsoft.com/office/thememl/2012/main" name="Office Theme" id="{62F939B6-93AF-4DB8-9C6B-D6C7DFDC589F}" vid="{4A3C46E8-61CC-4603-A589-7422A47A8E4A}"/>
+      <thm15:themeFamily xmlns:thm15="http://schemas.microsoft.com/office/thememl/2012/main" xmlns="" name="Office Theme" id="{62F939B6-93AF-4DB8-9C6B-D6C7DFDC589F}" vid="{4A3C46E8-61CC-4603-A589-7422A47A8E4A}"/>
     </a:ext>
   </a:extLst>
 </a:theme>
